--- a/template.pptx
+++ b/template.pptx
@@ -94,8 +94,8 @@
         </p:nvSpPr>
         <p:spPr>
           <a:xfrm>
-            <a:off x="504000" y="1769040"/>
-            <a:ext cx="9071280" cy="2090880"/>
+            <a:off x="504000" y="1768680"/>
+            <a:ext cx="9072000" cy="2090880"/>
           </a:xfrm>
           <a:prstGeom prst="rect">
             <a:avLst/>
@@ -124,8 +124,8 @@
         </p:nvSpPr>
         <p:spPr>
           <a:xfrm>
-            <a:off x="504000" y="4059000"/>
-            <a:ext cx="9071280" cy="2090880"/>
+            <a:off x="504000" y="4058640"/>
+            <a:ext cx="9072000" cy="2090880"/>
           </a:xfrm>
           <a:prstGeom prst="rect">
             <a:avLst/>
@@ -207,8 +207,8 @@
         </p:nvSpPr>
         <p:spPr>
           <a:xfrm>
-            <a:off x="504000" y="1769040"/>
-            <a:ext cx="4426560" cy="2090880"/>
+            <a:off x="504000" y="1768680"/>
+            <a:ext cx="4426920" cy="2090880"/>
           </a:xfrm>
           <a:prstGeom prst="rect">
             <a:avLst/>
@@ -237,8 +237,8 @@
         </p:nvSpPr>
         <p:spPr>
           <a:xfrm>
-            <a:off x="5152320" y="1769040"/>
-            <a:ext cx="4426560" cy="2090880"/>
+            <a:off x="5152680" y="1768680"/>
+            <a:ext cx="4426920" cy="2090880"/>
           </a:xfrm>
           <a:prstGeom prst="rect">
             <a:avLst/>
@@ -267,8 +267,8 @@
         </p:nvSpPr>
         <p:spPr>
           <a:xfrm>
-            <a:off x="504000" y="4059000"/>
-            <a:ext cx="4426560" cy="2090880"/>
+            <a:off x="504000" y="4058640"/>
+            <a:ext cx="4426920" cy="2090880"/>
           </a:xfrm>
           <a:prstGeom prst="rect">
             <a:avLst/>
@@ -297,8 +297,8 @@
         </p:nvSpPr>
         <p:spPr>
           <a:xfrm>
-            <a:off x="5152320" y="4059000"/>
-            <a:ext cx="4426560" cy="2090880"/>
+            <a:off x="5152680" y="4058640"/>
+            <a:ext cx="4426920" cy="2090880"/>
           </a:xfrm>
           <a:prstGeom prst="rect">
             <a:avLst/>
@@ -380,8 +380,8 @@
         </p:nvSpPr>
         <p:spPr>
           <a:xfrm>
-            <a:off x="504000" y="1769040"/>
-            <a:ext cx="2920680" cy="2090880"/>
+            <a:off x="504000" y="1768680"/>
+            <a:ext cx="2921040" cy="2090880"/>
           </a:xfrm>
           <a:prstGeom prst="rect">
             <a:avLst/>
@@ -410,8 +410,8 @@
         </p:nvSpPr>
         <p:spPr>
           <a:xfrm>
-            <a:off x="3571200" y="1769040"/>
-            <a:ext cx="2920680" cy="2090880"/>
+            <a:off x="3571560" y="1768680"/>
+            <a:ext cx="2921040" cy="2090880"/>
           </a:xfrm>
           <a:prstGeom prst="rect">
             <a:avLst/>
@@ -440,8 +440,8 @@
         </p:nvSpPr>
         <p:spPr>
           <a:xfrm>
-            <a:off x="6638040" y="1769040"/>
-            <a:ext cx="2920680" cy="2090880"/>
+            <a:off x="6639120" y="1768680"/>
+            <a:ext cx="2921040" cy="2090880"/>
           </a:xfrm>
           <a:prstGeom prst="rect">
             <a:avLst/>
@@ -470,8 +470,8 @@
         </p:nvSpPr>
         <p:spPr>
           <a:xfrm>
-            <a:off x="504000" y="4059000"/>
-            <a:ext cx="2920680" cy="2090880"/>
+            <a:off x="504000" y="4058640"/>
+            <a:ext cx="2921040" cy="2090880"/>
           </a:xfrm>
           <a:prstGeom prst="rect">
             <a:avLst/>
@@ -500,8 +500,8 @@
         </p:nvSpPr>
         <p:spPr>
           <a:xfrm>
-            <a:off x="3571200" y="4059000"/>
-            <a:ext cx="2920680" cy="2090880"/>
+            <a:off x="3571560" y="4058640"/>
+            <a:ext cx="2921040" cy="2090880"/>
           </a:xfrm>
           <a:prstGeom prst="rect">
             <a:avLst/>
@@ -530,8 +530,8 @@
         </p:nvSpPr>
         <p:spPr>
           <a:xfrm>
-            <a:off x="6638040" y="4059000"/>
-            <a:ext cx="2920680" cy="2090880"/>
+            <a:off x="6639120" y="4058640"/>
+            <a:ext cx="2921040" cy="2090880"/>
           </a:xfrm>
           <a:prstGeom prst="rect">
             <a:avLst/>
@@ -613,8 +613,8 @@
         </p:nvSpPr>
         <p:spPr>
           <a:xfrm>
-            <a:off x="504000" y="1769040"/>
-            <a:ext cx="9071280" cy="4384080"/>
+            <a:off x="504000" y="1768680"/>
+            <a:ext cx="9072000" cy="4384080"/>
           </a:xfrm>
           <a:prstGeom prst="rect">
             <a:avLst/>
@@ -697,8 +697,8 @@
         </p:nvSpPr>
         <p:spPr>
           <a:xfrm>
-            <a:off x="504000" y="1769040"/>
-            <a:ext cx="9071280" cy="4384080"/>
+            <a:off x="504000" y="1768680"/>
+            <a:ext cx="9072000" cy="4384080"/>
           </a:xfrm>
           <a:prstGeom prst="rect">
             <a:avLst/>
@@ -780,8 +780,8 @@
         </p:nvSpPr>
         <p:spPr>
           <a:xfrm>
-            <a:off x="504000" y="1769040"/>
-            <a:ext cx="4426560" cy="4384080"/>
+            <a:off x="504000" y="1768680"/>
+            <a:ext cx="4426920" cy="4384080"/>
           </a:xfrm>
           <a:prstGeom prst="rect">
             <a:avLst/>
@@ -810,8 +810,8 @@
         </p:nvSpPr>
         <p:spPr>
           <a:xfrm>
-            <a:off x="5152320" y="1769040"/>
-            <a:ext cx="4426560" cy="4384080"/>
+            <a:off x="5152680" y="1768680"/>
+            <a:ext cx="4426920" cy="4384080"/>
           </a:xfrm>
           <a:prstGeom prst="rect">
             <a:avLst/>
@@ -999,8 +999,8 @@
         </p:nvSpPr>
         <p:spPr>
           <a:xfrm>
-            <a:off x="504000" y="1769040"/>
-            <a:ext cx="4426560" cy="2090880"/>
+            <a:off x="504000" y="1768680"/>
+            <a:ext cx="4426920" cy="2090880"/>
           </a:xfrm>
           <a:prstGeom prst="rect">
             <a:avLst/>
@@ -1029,8 +1029,8 @@
         </p:nvSpPr>
         <p:spPr>
           <a:xfrm>
-            <a:off x="5152320" y="1769040"/>
-            <a:ext cx="4426560" cy="4384080"/>
+            <a:off x="5152680" y="1768680"/>
+            <a:ext cx="4426920" cy="4384080"/>
           </a:xfrm>
           <a:prstGeom prst="rect">
             <a:avLst/>
@@ -1059,8 +1059,8 @@
         </p:nvSpPr>
         <p:spPr>
           <a:xfrm>
-            <a:off x="504000" y="4059000"/>
-            <a:ext cx="4426560" cy="2090880"/>
+            <a:off x="504000" y="4058640"/>
+            <a:ext cx="4426920" cy="2090880"/>
           </a:xfrm>
           <a:prstGeom prst="rect">
             <a:avLst/>
@@ -1142,8 +1142,8 @@
         </p:nvSpPr>
         <p:spPr>
           <a:xfrm>
-            <a:off x="504000" y="1769040"/>
-            <a:ext cx="4426560" cy="4384080"/>
+            <a:off x="504000" y="1768680"/>
+            <a:ext cx="4426920" cy="4384080"/>
           </a:xfrm>
           <a:prstGeom prst="rect">
             <a:avLst/>
@@ -1172,8 +1172,8 @@
         </p:nvSpPr>
         <p:spPr>
           <a:xfrm>
-            <a:off x="5152320" y="1769040"/>
-            <a:ext cx="4426560" cy="2090880"/>
+            <a:off x="5152680" y="1768680"/>
+            <a:ext cx="4426920" cy="2090880"/>
           </a:xfrm>
           <a:prstGeom prst="rect">
             <a:avLst/>
@@ -1202,8 +1202,8 @@
         </p:nvSpPr>
         <p:spPr>
           <a:xfrm>
-            <a:off x="5152320" y="4059000"/>
-            <a:ext cx="4426560" cy="2090880"/>
+            <a:off x="5152680" y="4058640"/>
+            <a:ext cx="4426920" cy="2090880"/>
           </a:xfrm>
           <a:prstGeom prst="rect">
             <a:avLst/>
@@ -1285,8 +1285,8 @@
         </p:nvSpPr>
         <p:spPr>
           <a:xfrm>
-            <a:off x="504000" y="1769040"/>
-            <a:ext cx="4426560" cy="2090880"/>
+            <a:off x="504000" y="1768680"/>
+            <a:ext cx="4426920" cy="2090880"/>
           </a:xfrm>
           <a:prstGeom prst="rect">
             <a:avLst/>
@@ -1315,8 +1315,8 @@
         </p:nvSpPr>
         <p:spPr>
           <a:xfrm>
-            <a:off x="5152320" y="1769040"/>
-            <a:ext cx="4426560" cy="2090880"/>
+            <a:off x="5152680" y="1768680"/>
+            <a:ext cx="4426920" cy="2090880"/>
           </a:xfrm>
           <a:prstGeom prst="rect">
             <a:avLst/>
@@ -1345,8 +1345,8 @@
         </p:nvSpPr>
         <p:spPr>
           <a:xfrm>
-            <a:off x="504000" y="4059000"/>
-            <a:ext cx="9071280" cy="2090880"/>
+            <a:off x="504000" y="4058640"/>
+            <a:ext cx="9072000" cy="2090880"/>
           </a:xfrm>
           <a:prstGeom prst="rect">
             <a:avLst/>
@@ -1506,19 +1506,19 @@
         </p:nvSpPr>
         <p:spPr>
           <a:xfrm>
-            <a:off x="504000" y="1769040"/>
-            <a:ext cx="9071280" cy="4384080"/>
-          </a:xfrm>
-          <a:prstGeom prst="rect">
-            <a:avLst/>
-          </a:prstGeom>
-        </p:spPr>
-        <p:txBody>
-          <a:bodyPr lIns="0" rIns="0" tIns="0" bIns="0">
-            <a:noAutofit/>
-          </a:bodyPr>
-          <a:p>
-            <a:pPr marL="432000" indent="-324000" algn="ctr">
+            <a:off x="504000" y="1768680"/>
+            <a:ext cx="9072000" cy="4384080"/>
+          </a:xfrm>
+          <a:prstGeom prst="rect">
+            <a:avLst/>
+          </a:prstGeom>
+        </p:spPr>
+        <p:txBody>
+          <a:bodyPr lIns="0" rIns="0" tIns="0" bIns="0">
+            <a:normAutofit/>
+          </a:bodyPr>
+          <a:p>
+            <a:pPr marL="432000" indent="-324000">
               <a:spcBef>
                 <a:spcPts val="1417"/>
               </a:spcBef>
@@ -1530,23 +1530,17 @@
               <a:buChar char=""/>
             </a:pPr>
             <a:r>
-              <a:rPr b="0" lang="ja-JP" sz="1800" spc="-1" strike="noStrike">
+              <a:rPr b="0" lang="ja-JP" sz="3200" spc="-1" strike="noStrike">
                 <a:latin typeface="Arial"/>
               </a:rPr>
-              <a:t>アウトラインテキストの書式を編集するにはク</a:t>
+              <a:t>アウトラインテキストの書式を編集するにはクリックします。</a:t>
             </a:r>
-            <a:r>
-              <a:rPr b="0" lang="ja-JP" sz="1800" spc="-1" strike="noStrike">
-                <a:latin typeface="Arial"/>
-              </a:rPr>
-              <a:t>リックします。</a:t>
-            </a:r>
-            <a:endParaRPr b="0" lang="en-US" sz="1800" spc="-1" strike="noStrike">
-              <a:latin typeface="Arial"/>
-            </a:endParaRPr>
-          </a:p>
-          <a:p>
-            <a:pPr lvl="1" marL="864000" indent="-324000" algn="ctr">
+            <a:endParaRPr b="0" lang="en-US" sz="3200" spc="-1" strike="noStrike">
+              <a:latin typeface="Arial"/>
+            </a:endParaRPr>
+          </a:p>
+          <a:p>
+            <a:pPr lvl="1" marL="864000" indent="-324000">
               <a:spcBef>
                 <a:spcPts val="1134"/>
               </a:spcBef>
@@ -1558,23 +1552,23 @@
               <a:buChar char=""/>
             </a:pPr>
             <a:r>
-              <a:rPr b="0" lang="en-US" sz="1800" spc="-1" strike="noStrike">
+              <a:rPr b="0" lang="en-US" sz="2800" spc="-1" strike="noStrike">
                 <a:latin typeface="Arial"/>
               </a:rPr>
               <a:t>2</a:t>
             </a:r>
             <a:r>
-              <a:rPr b="0" lang="ja-JP" sz="1800" spc="-1" strike="noStrike">
+              <a:rPr b="0" lang="ja-JP" sz="2800" spc="-1" strike="noStrike">
                 <a:latin typeface="Arial"/>
               </a:rPr>
               <a:t>レベル目のアウトライン</a:t>
             </a:r>
-            <a:endParaRPr b="0" lang="en-US" sz="1800" spc="-1" strike="noStrike">
-              <a:latin typeface="Arial"/>
-            </a:endParaRPr>
-          </a:p>
-          <a:p>
-            <a:pPr lvl="2" marL="1296000" indent="-288000" algn="ctr">
+            <a:endParaRPr b="0" lang="en-US" sz="2800" spc="-1" strike="noStrike">
+              <a:latin typeface="Arial"/>
+            </a:endParaRPr>
+          </a:p>
+          <a:p>
+            <a:pPr lvl="2" marL="1296000" indent="-288000">
               <a:spcBef>
                 <a:spcPts val="850"/>
               </a:spcBef>
@@ -1586,23 +1580,23 @@
               <a:buChar char=""/>
             </a:pPr>
             <a:r>
-              <a:rPr b="0" lang="en-US" sz="1800" spc="-1" strike="noStrike">
+              <a:rPr b="0" lang="en-US" sz="2400" spc="-1" strike="noStrike">
                 <a:latin typeface="Arial"/>
               </a:rPr>
               <a:t>3</a:t>
             </a:r>
             <a:r>
-              <a:rPr b="0" lang="ja-JP" sz="1800" spc="-1" strike="noStrike">
+              <a:rPr b="0" lang="ja-JP" sz="2400" spc="-1" strike="noStrike">
                 <a:latin typeface="Arial"/>
               </a:rPr>
               <a:t>レベル目のアウトライン</a:t>
             </a:r>
-            <a:endParaRPr b="0" lang="en-US" sz="1800" spc="-1" strike="noStrike">
-              <a:latin typeface="Arial"/>
-            </a:endParaRPr>
-          </a:p>
-          <a:p>
-            <a:pPr lvl="3" marL="1728000" indent="-216000" algn="ctr">
+            <a:endParaRPr b="0" lang="en-US" sz="2400" spc="-1" strike="noStrike">
+              <a:latin typeface="Arial"/>
+            </a:endParaRPr>
+          </a:p>
+          <a:p>
+            <a:pPr lvl="3" marL="1728000" indent="-216000">
               <a:spcBef>
                 <a:spcPts val="567"/>
               </a:spcBef>
@@ -1614,23 +1608,23 @@
               <a:buChar char=""/>
             </a:pPr>
             <a:r>
-              <a:rPr b="0" lang="en-US" sz="1800" spc="-1" strike="noStrike">
+              <a:rPr b="0" lang="en-US" sz="2000" spc="-1" strike="noStrike">
                 <a:latin typeface="Arial"/>
               </a:rPr>
               <a:t>4</a:t>
             </a:r>
             <a:r>
-              <a:rPr b="0" lang="ja-JP" sz="1800" spc="-1" strike="noStrike">
+              <a:rPr b="0" lang="ja-JP" sz="2000" spc="-1" strike="noStrike">
                 <a:latin typeface="Arial"/>
               </a:rPr>
               <a:t>レベル目のアウトライン</a:t>
             </a:r>
-            <a:endParaRPr b="0" lang="en-US" sz="1800" spc="-1" strike="noStrike">
-              <a:latin typeface="Arial"/>
-            </a:endParaRPr>
-          </a:p>
-          <a:p>
-            <a:pPr lvl="4" marL="2160000" indent="-216000" algn="ctr">
+            <a:endParaRPr b="0" lang="en-US" sz="2000" spc="-1" strike="noStrike">
+              <a:latin typeface="Arial"/>
+            </a:endParaRPr>
+          </a:p>
+          <a:p>
+            <a:pPr lvl="4" marL="2160000" indent="-216000">
               <a:spcBef>
                 <a:spcPts val="283"/>
               </a:spcBef>
@@ -1642,23 +1636,23 @@
               <a:buChar char=""/>
             </a:pPr>
             <a:r>
-              <a:rPr b="0" lang="en-US" sz="1800" spc="-1" strike="noStrike">
+              <a:rPr b="0" lang="en-US" sz="2000" spc="-1" strike="noStrike">
                 <a:latin typeface="Arial"/>
               </a:rPr>
               <a:t>5</a:t>
             </a:r>
             <a:r>
-              <a:rPr b="0" lang="ja-JP" sz="1800" spc="-1" strike="noStrike">
+              <a:rPr b="0" lang="ja-JP" sz="2000" spc="-1" strike="noStrike">
                 <a:latin typeface="Arial"/>
               </a:rPr>
               <a:t>レベル目のアウトライン</a:t>
             </a:r>
-            <a:endParaRPr b="0" lang="en-US" sz="1800" spc="-1" strike="noStrike">
-              <a:latin typeface="Arial"/>
-            </a:endParaRPr>
-          </a:p>
-          <a:p>
-            <a:pPr lvl="5" marL="2592000" indent="-216000" algn="ctr">
+            <a:endParaRPr b="0" lang="en-US" sz="2000" spc="-1" strike="noStrike">
+              <a:latin typeface="Arial"/>
+            </a:endParaRPr>
+          </a:p>
+          <a:p>
+            <a:pPr lvl="5" marL="2592000" indent="-216000">
               <a:spcBef>
                 <a:spcPts val="283"/>
               </a:spcBef>
@@ -1670,23 +1664,23 @@
               <a:buChar char=""/>
             </a:pPr>
             <a:r>
-              <a:rPr b="0" lang="en-US" sz="1800" spc="-1" strike="noStrike">
+              <a:rPr b="0" lang="en-US" sz="2000" spc="-1" strike="noStrike">
                 <a:latin typeface="Arial"/>
               </a:rPr>
               <a:t>6</a:t>
             </a:r>
             <a:r>
-              <a:rPr b="0" lang="ja-JP" sz="1800" spc="-1" strike="noStrike">
+              <a:rPr b="0" lang="ja-JP" sz="2000" spc="-1" strike="noStrike">
                 <a:latin typeface="Arial"/>
               </a:rPr>
               <a:t>レベル目のアウトライン</a:t>
             </a:r>
-            <a:endParaRPr b="0" lang="en-US" sz="1800" spc="-1" strike="noStrike">
-              <a:latin typeface="Arial"/>
-            </a:endParaRPr>
-          </a:p>
-          <a:p>
-            <a:pPr lvl="6" marL="3024000" indent="-216000" algn="ctr">
+            <a:endParaRPr b="0" lang="en-US" sz="2000" spc="-1" strike="noStrike">
+              <a:latin typeface="Arial"/>
+            </a:endParaRPr>
+          </a:p>
+          <a:p>
+            <a:pPr lvl="6" marL="3024000" indent="-216000">
               <a:spcBef>
                 <a:spcPts val="283"/>
               </a:spcBef>
@@ -1698,18 +1692,18 @@
               <a:buChar char=""/>
             </a:pPr>
             <a:r>
-              <a:rPr b="0" lang="en-US" sz="1800" spc="-1" strike="noStrike">
+              <a:rPr b="0" lang="en-US" sz="2000" spc="-1" strike="noStrike">
                 <a:latin typeface="Arial"/>
               </a:rPr>
               <a:t>7</a:t>
             </a:r>
             <a:r>
-              <a:rPr b="0" lang="ja-JP" sz="1800" spc="-1" strike="noStrike">
+              <a:rPr b="0" lang="ja-JP" sz="2000" spc="-1" strike="noStrike">
                 <a:latin typeface="Arial"/>
               </a:rPr>
               <a:t>レベル目のアウトライン</a:t>
             </a:r>
-            <a:endParaRPr b="0" lang="en-US" sz="1800" spc="-1" strike="noStrike">
+            <a:endParaRPr b="0" lang="en-US" sz="2000" spc="-1" strike="noStrike">
               <a:latin typeface="Arial"/>
             </a:endParaRPr>
           </a:p>
@@ -1777,37 +1771,6 @@
           <a:effectRef idx="0"/>
           <a:fontRef idx="minor"/>
         </p:style>
-      </p:sp>
-      <p:sp>
-        <p:nvSpPr>
-          <p:cNvPr id="41" name="TextShape 2"/>
-          <p:cNvSpPr txBox="1"/>
-          <p:nvPr/>
-        </p:nvSpPr>
-        <p:spPr>
-          <a:xfrm>
-            <a:off x="504000" y="214560"/>
-            <a:ext cx="9071280" cy="811080"/>
-          </a:xfrm>
-          <a:prstGeom prst="rect">
-            <a:avLst/>
-          </a:prstGeom>
-          <a:noFill/>
-          <a:ln>
-            <a:noFill/>
-          </a:ln>
-        </p:spPr>
-        <p:txBody>
-          <a:bodyPr lIns="0" rIns="0" tIns="0" bIns="0" anchor="ctr">
-            <a:noAutofit/>
-          </a:bodyPr>
-          <a:p>
-            <a:pPr algn="ctr"/>
-            <a:endParaRPr b="0" lang="en-US" sz="4400" spc="-1" strike="noStrike">
-              <a:latin typeface="Arial"/>
-            </a:endParaRPr>
-          </a:p>
-        </p:txBody>
       </p:sp>
     </p:spTree>
   </p:cSld>
